--- a/488 - Mine Eyes have Seen the Glory.pptx
+++ b/488 - Mine Eyes have Seen the Glory.pptx
@@ -115,10 +115,6 @@
 </p:presentation>
 </file>
 
-<file path=ppt/revisionInfo.xml><?xml version="1.0" encoding="utf-8"?>
-<p1510:revInfo xmlns:a="http://schemas.openxmlformats.org/drawingml/2006/main" xmlns:r="http://schemas.openxmlformats.org/officeDocument/2006/relationships" xmlns:p1510="http://schemas.microsoft.com/office/powerpoint/2015/10/main"/>
-</file>
-
 <file path=ppt/slideLayouts/slideLayout1.xml><?xml version="1.0" encoding="utf-8"?>
 <p:sldLayout xmlns:a="http://schemas.openxmlformats.org/drawingml/2006/main" xmlns:r="http://schemas.openxmlformats.org/officeDocument/2006/relationships" xmlns:p="http://schemas.openxmlformats.org/presentationml/2006/main" type="title" preserve="1">
   <p:cSld name="Title Slide">
@@ -248,7 +244,7 @@
           <a:p>
             <a:fld id="{32F7251A-AE54-443C-B8FE-5F636E835EBF}" type="datetimeFigureOut">
               <a:rPr lang="en-US" smtClean="0"/>
-              <a:t>11/12/2017</a:t>
+              <a:t>5/27/2018</a:t>
             </a:fld>
             <a:endParaRPr lang="en-US"/>
           </a:p>
@@ -416,7 +412,7 @@
           <a:p>
             <a:fld id="{32F7251A-AE54-443C-B8FE-5F636E835EBF}" type="datetimeFigureOut">
               <a:rPr lang="en-US" smtClean="0"/>
-              <a:t>11/12/2017</a:t>
+              <a:t>5/27/2018</a:t>
             </a:fld>
             <a:endParaRPr lang="en-US"/>
           </a:p>
@@ -594,7 +590,7 @@
           <a:p>
             <a:fld id="{32F7251A-AE54-443C-B8FE-5F636E835EBF}" type="datetimeFigureOut">
               <a:rPr lang="en-US" smtClean="0"/>
-              <a:t>11/12/2017</a:t>
+              <a:t>5/27/2018</a:t>
             </a:fld>
             <a:endParaRPr lang="en-US"/>
           </a:p>
@@ -762,7 +758,7 @@
           <a:p>
             <a:fld id="{32F7251A-AE54-443C-B8FE-5F636E835EBF}" type="datetimeFigureOut">
               <a:rPr lang="en-US" smtClean="0"/>
-              <a:t>11/12/2017</a:t>
+              <a:t>5/27/2018</a:t>
             </a:fld>
             <a:endParaRPr lang="en-US"/>
           </a:p>
@@ -1007,7 +1003,7 @@
           <a:p>
             <a:fld id="{32F7251A-AE54-443C-B8FE-5F636E835EBF}" type="datetimeFigureOut">
               <a:rPr lang="en-US" smtClean="0"/>
-              <a:t>11/12/2017</a:t>
+              <a:t>5/27/2018</a:t>
             </a:fld>
             <a:endParaRPr lang="en-US"/>
           </a:p>
@@ -1236,7 +1232,7 @@
           <a:p>
             <a:fld id="{32F7251A-AE54-443C-B8FE-5F636E835EBF}" type="datetimeFigureOut">
               <a:rPr lang="en-US" smtClean="0"/>
-              <a:t>11/12/2017</a:t>
+              <a:t>5/27/2018</a:t>
             </a:fld>
             <a:endParaRPr lang="en-US"/>
           </a:p>
@@ -1600,7 +1596,7 @@
           <a:p>
             <a:fld id="{32F7251A-AE54-443C-B8FE-5F636E835EBF}" type="datetimeFigureOut">
               <a:rPr lang="en-US" smtClean="0"/>
-              <a:t>11/12/2017</a:t>
+              <a:t>5/27/2018</a:t>
             </a:fld>
             <a:endParaRPr lang="en-US"/>
           </a:p>
@@ -1717,7 +1713,7 @@
           <a:p>
             <a:fld id="{32F7251A-AE54-443C-B8FE-5F636E835EBF}" type="datetimeFigureOut">
               <a:rPr lang="en-US" smtClean="0"/>
-              <a:t>11/12/2017</a:t>
+              <a:t>5/27/2018</a:t>
             </a:fld>
             <a:endParaRPr lang="en-US"/>
           </a:p>
@@ -1812,7 +1808,7 @@
           <a:p>
             <a:fld id="{32F7251A-AE54-443C-B8FE-5F636E835EBF}" type="datetimeFigureOut">
               <a:rPr lang="en-US" smtClean="0"/>
-              <a:t>11/12/2017</a:t>
+              <a:t>5/27/2018</a:t>
             </a:fld>
             <a:endParaRPr lang="en-US"/>
           </a:p>
@@ -2087,7 +2083,7 @@
           <a:p>
             <a:fld id="{32F7251A-AE54-443C-B8FE-5F636E835EBF}" type="datetimeFigureOut">
               <a:rPr lang="en-US" smtClean="0"/>
-              <a:t>11/12/2017</a:t>
+              <a:t>5/27/2018</a:t>
             </a:fld>
             <a:endParaRPr lang="en-US"/>
           </a:p>
@@ -2339,7 +2335,7 @@
           <a:p>
             <a:fld id="{32F7251A-AE54-443C-B8FE-5F636E835EBF}" type="datetimeFigureOut">
               <a:rPr lang="en-US" smtClean="0"/>
-              <a:t>11/12/2017</a:t>
+              <a:t>5/27/2018</a:t>
             </a:fld>
             <a:endParaRPr lang="en-US"/>
           </a:p>
@@ -2553,7 +2549,7 @@
           <a:p>
             <a:fld id="{32F7251A-AE54-443C-B8FE-5F636E835EBF}" type="datetimeFigureOut">
               <a:rPr lang="en-US" smtClean="0"/>
-              <a:t>11/12/2017</a:t>
+              <a:t>5/27/2018</a:t>
             </a:fld>
             <a:endParaRPr lang="en-US"/>
           </a:p>
@@ -3100,7 +3096,7 @@
                   <a:schemeClr val="bg1"/>
                 </a:solidFill>
               </a:rPr>
-              <a:t>He hath loosed the fateful lightning of His terrible sword;</a:t>
+              <a:t>He hath loosed the fateful lightning of His terrible swift sword;</a:t>
             </a:r>
           </a:p>
           <a:p>

--- a/488 - Mine Eyes have Seen the Glory.pptx
+++ b/488 - Mine Eyes have Seen the Glory.pptx
@@ -244,7 +244,7 @@
           <a:p>
             <a:fld id="{32F7251A-AE54-443C-B8FE-5F636E835EBF}" type="datetimeFigureOut">
               <a:rPr lang="en-US" smtClean="0"/>
-              <a:t>5/27/2018</a:t>
+              <a:t>8/9/2020</a:t>
             </a:fld>
             <a:endParaRPr lang="en-US"/>
           </a:p>
@@ -412,7 +412,7 @@
           <a:p>
             <a:fld id="{32F7251A-AE54-443C-B8FE-5F636E835EBF}" type="datetimeFigureOut">
               <a:rPr lang="en-US" smtClean="0"/>
-              <a:t>5/27/2018</a:t>
+              <a:t>8/9/2020</a:t>
             </a:fld>
             <a:endParaRPr lang="en-US"/>
           </a:p>
@@ -590,7 +590,7 @@
           <a:p>
             <a:fld id="{32F7251A-AE54-443C-B8FE-5F636E835EBF}" type="datetimeFigureOut">
               <a:rPr lang="en-US" smtClean="0"/>
-              <a:t>5/27/2018</a:t>
+              <a:t>8/9/2020</a:t>
             </a:fld>
             <a:endParaRPr lang="en-US"/>
           </a:p>
@@ -758,7 +758,7 @@
           <a:p>
             <a:fld id="{32F7251A-AE54-443C-B8FE-5F636E835EBF}" type="datetimeFigureOut">
               <a:rPr lang="en-US" smtClean="0"/>
-              <a:t>5/27/2018</a:t>
+              <a:t>8/9/2020</a:t>
             </a:fld>
             <a:endParaRPr lang="en-US"/>
           </a:p>
@@ -1003,7 +1003,7 @@
           <a:p>
             <a:fld id="{32F7251A-AE54-443C-B8FE-5F636E835EBF}" type="datetimeFigureOut">
               <a:rPr lang="en-US" smtClean="0"/>
-              <a:t>5/27/2018</a:t>
+              <a:t>8/9/2020</a:t>
             </a:fld>
             <a:endParaRPr lang="en-US"/>
           </a:p>
@@ -1232,7 +1232,7 @@
           <a:p>
             <a:fld id="{32F7251A-AE54-443C-B8FE-5F636E835EBF}" type="datetimeFigureOut">
               <a:rPr lang="en-US" smtClean="0"/>
-              <a:t>5/27/2018</a:t>
+              <a:t>8/9/2020</a:t>
             </a:fld>
             <a:endParaRPr lang="en-US"/>
           </a:p>
@@ -1596,7 +1596,7 @@
           <a:p>
             <a:fld id="{32F7251A-AE54-443C-B8FE-5F636E835EBF}" type="datetimeFigureOut">
               <a:rPr lang="en-US" smtClean="0"/>
-              <a:t>5/27/2018</a:t>
+              <a:t>8/9/2020</a:t>
             </a:fld>
             <a:endParaRPr lang="en-US"/>
           </a:p>
@@ -1713,7 +1713,7 @@
           <a:p>
             <a:fld id="{32F7251A-AE54-443C-B8FE-5F636E835EBF}" type="datetimeFigureOut">
               <a:rPr lang="en-US" smtClean="0"/>
-              <a:t>5/27/2018</a:t>
+              <a:t>8/9/2020</a:t>
             </a:fld>
             <a:endParaRPr lang="en-US"/>
           </a:p>
@@ -1808,7 +1808,7 @@
           <a:p>
             <a:fld id="{32F7251A-AE54-443C-B8FE-5F636E835EBF}" type="datetimeFigureOut">
               <a:rPr lang="en-US" smtClean="0"/>
-              <a:t>5/27/2018</a:t>
+              <a:t>8/9/2020</a:t>
             </a:fld>
             <a:endParaRPr lang="en-US"/>
           </a:p>
@@ -2083,7 +2083,7 @@
           <a:p>
             <a:fld id="{32F7251A-AE54-443C-B8FE-5F636E835EBF}" type="datetimeFigureOut">
               <a:rPr lang="en-US" smtClean="0"/>
-              <a:t>5/27/2018</a:t>
+              <a:t>8/9/2020</a:t>
             </a:fld>
             <a:endParaRPr lang="en-US"/>
           </a:p>
@@ -2335,7 +2335,7 @@
           <a:p>
             <a:fld id="{32F7251A-AE54-443C-B8FE-5F636E835EBF}" type="datetimeFigureOut">
               <a:rPr lang="en-US" smtClean="0"/>
-              <a:t>5/27/2018</a:t>
+              <a:t>8/9/2020</a:t>
             </a:fld>
             <a:endParaRPr lang="en-US"/>
           </a:p>
@@ -2402,7 +2402,9 @@
     <p:bg>
       <p:bgPr>
         <a:solidFill>
-          <a:srgbClr val="333333"/>
+          <a:schemeClr val="bg1">
+            <a:lumMod val="10000"/>
+          </a:schemeClr>
         </a:solidFill>
         <a:effectLst/>
       </p:bgPr>
@@ -2549,7 +2551,7 @@
           <a:p>
             <a:fld id="{32F7251A-AE54-443C-B8FE-5F636E835EBF}" type="datetimeFigureOut">
               <a:rPr lang="en-US" smtClean="0"/>
-              <a:t>5/27/2018</a:t>
+              <a:t>8/9/2020</a:t>
             </a:fld>
             <a:endParaRPr lang="en-US"/>
           </a:p>
@@ -3031,15 +3033,23 @@
           <a:bodyPr wrap="square" rtlCol="0" anchor="ctr">
             <a:spAutoFit/>
           </a:bodyPr>
-          <a:lstStyle/>
-          <a:p>
-            <a:pPr algn="ctr"/>
-            <a:r>
-              <a:rPr lang="en-US" sz="4800" dirty="0">
+          <a:lstStyle>
+            <a:defPPr>
+              <a:defRPr lang="en-US"/>
+            </a:defPPr>
+            <a:lvl1pPr algn="ctr">
+              <a:defRPr sz="3200" u="sng">
                 <a:solidFill>
                   <a:schemeClr val="bg1"/>
                 </a:solidFill>
-              </a:rPr>
+                <a:latin typeface="Assistant SemiBold" panose="00000700000000000000" pitchFamily="2" charset="-79"/>
+                <a:cs typeface="Assistant SemiBold" panose="00000700000000000000" pitchFamily="2" charset="-79"/>
+              </a:defRPr>
+            </a:lvl1pPr>
+          </a:lstStyle>
+          <a:p>
+            <a:r>
+              <a:rPr lang="en-US" dirty="0"/>
               <a:t>“Mine Eyes Have Seen the Glory”</a:t>
             </a:r>
           </a:p>
@@ -3053,8 +3063,8 @@
         </p:nvSpPr>
         <p:spPr>
           <a:xfrm>
-            <a:off x="0" y="398892"/>
-            <a:ext cx="12192000" cy="4524315"/>
+            <a:off x="0" y="892572"/>
+            <a:ext cx="12192000" cy="2982959"/>
           </a:xfrm>
           <a:prstGeom prst="rect">
             <a:avLst/>
@@ -3065,100 +3075,68 @@
           <a:bodyPr wrap="square" rtlCol="0">
             <a:spAutoFit/>
           </a:bodyPr>
-          <a:lstStyle/>
-          <a:p>
-            <a:pPr algn="ctr"/>
-            <a:r>
-              <a:rPr lang="en-US" sz="3200" dirty="0">
+          <a:lstStyle>
+            <a:defPPr>
+              <a:defRPr lang="en-US"/>
+            </a:defPPr>
+            <a:lvl1pPr algn="ctr">
+              <a:defRPr sz="2800" spc="50">
                 <a:solidFill>
                   <a:schemeClr val="bg1"/>
                 </a:solidFill>
-              </a:rPr>
+                <a:latin typeface="Assistant" panose="00000500000000000000" pitchFamily="2" charset="-79"/>
+                <a:cs typeface="Assistant" panose="00000500000000000000" pitchFamily="2" charset="-79"/>
+              </a:defRPr>
+            </a:lvl1pPr>
+          </a:lstStyle>
+          <a:p>
+            <a:r>
+              <a:rPr lang="en-US" dirty="0"/>
               <a:t>Mine eyes have seen the glory of the coming of the Lord;</a:t>
             </a:r>
           </a:p>
           <a:p>
-            <a:pPr algn="ctr"/>
-            <a:r>
-              <a:rPr lang="en-US" sz="3200" dirty="0">
-                <a:solidFill>
-                  <a:schemeClr val="bg1"/>
-                </a:solidFill>
-              </a:rPr>
+            <a:r>
+              <a:rPr lang="en-US" dirty="0"/>
               <a:t>He is trampling out the vintage where the grapes of wrath are stored;</a:t>
             </a:r>
           </a:p>
           <a:p>
-            <a:pPr algn="ctr"/>
-            <a:r>
-              <a:rPr lang="en-US" sz="3200" dirty="0">
-                <a:solidFill>
-                  <a:schemeClr val="bg1"/>
-                </a:solidFill>
-              </a:rPr>
+            <a:r>
+              <a:rPr lang="en-US" dirty="0"/>
               <a:t>He hath loosed the fateful lightning of His terrible swift sword;</a:t>
             </a:r>
           </a:p>
           <a:p>
-            <a:pPr algn="ctr"/>
-            <a:r>
-              <a:rPr lang="en-US" sz="3200" dirty="0">
-                <a:solidFill>
-                  <a:schemeClr val="bg1"/>
-                </a:solidFill>
-              </a:rPr>
+            <a:r>
+              <a:rPr lang="en-US" dirty="0"/>
               <a:t>His truth is marching on!</a:t>
             </a:r>
           </a:p>
           <a:p>
-            <a:pPr algn="ctr"/>
-            <a:endParaRPr lang="en-US" sz="3200" dirty="0">
-              <a:solidFill>
-                <a:schemeClr val="bg1"/>
-              </a:solidFill>
-            </a:endParaRPr>
-          </a:p>
-          <a:p>
-            <a:pPr algn="ctr"/>
-            <a:r>
-              <a:rPr lang="en-US" sz="3200" dirty="0">
-                <a:solidFill>
-                  <a:schemeClr val="bg1"/>
-                </a:solidFill>
-              </a:rPr>
+            <a:endParaRPr lang="en-US" dirty="0"/>
+          </a:p>
+          <a:p>
+            <a:r>
+              <a:rPr lang="en-US" dirty="0"/>
               <a:t>Glory, glory, hallelujah!</a:t>
             </a:r>
           </a:p>
           <a:p>
-            <a:pPr algn="ctr"/>
-            <a:r>
-              <a:rPr lang="en-US" sz="3200" dirty="0">
-                <a:solidFill>
-                  <a:schemeClr val="bg1"/>
-                </a:solidFill>
-              </a:rPr>
+            <a:r>
+              <a:rPr lang="en-US" dirty="0"/>
               <a:t>Glory, glory, hallelujah!</a:t>
             </a:r>
           </a:p>
           <a:p>
-            <a:pPr algn="ctr"/>
-            <a:r>
-              <a:rPr lang="en-US" sz="3200" dirty="0">
-                <a:solidFill>
-                  <a:schemeClr val="bg1"/>
-                </a:solidFill>
-              </a:rPr>
+            <a:r>
+              <a:rPr lang="en-US" dirty="0"/>
               <a:t>Glory, glory, hallelujah!</a:t>
             </a:r>
           </a:p>
           <a:p>
-            <a:pPr algn="ctr"/>
-            <a:r>
-              <a:rPr lang="en-US" sz="3200" dirty="0">
-                <a:solidFill>
-                  <a:schemeClr val="bg1"/>
-                </a:solidFill>
-              </a:rPr>
+            <a:r>
+              <a:rPr lang="en-US" dirty="0"/>
               <a:t>His truth is marching on!</a:t>
             </a:r>
           </a:p>
@@ -3271,15 +3249,23 @@
           <a:bodyPr wrap="square" rtlCol="0" anchor="ctr">
             <a:spAutoFit/>
           </a:bodyPr>
-          <a:lstStyle/>
-          <a:p>
-            <a:pPr algn="ctr"/>
-            <a:r>
-              <a:rPr lang="en-US" sz="4800" dirty="0">
+          <a:lstStyle>
+            <a:defPPr>
+              <a:defRPr lang="en-US"/>
+            </a:defPPr>
+            <a:lvl1pPr algn="ctr">
+              <a:defRPr sz="3200" u="sng">
                 <a:solidFill>
                   <a:schemeClr val="bg1"/>
                 </a:solidFill>
-              </a:rPr>
+                <a:latin typeface="Assistant SemiBold" panose="00000700000000000000" pitchFamily="2" charset="-79"/>
+                <a:cs typeface="Assistant SemiBold" panose="00000700000000000000" pitchFamily="2" charset="-79"/>
+              </a:defRPr>
+            </a:lvl1pPr>
+          </a:lstStyle>
+          <a:p>
+            <a:r>
+              <a:rPr lang="en-US" dirty="0"/>
               <a:t>“Mine Eyes Have Seen the Glory”</a:t>
             </a:r>
           </a:p>
@@ -3293,8 +3279,8 @@
         </p:nvSpPr>
         <p:spPr>
           <a:xfrm>
-            <a:off x="0" y="398892"/>
-            <a:ext cx="12192000" cy="4524315"/>
+            <a:off x="0" y="892572"/>
+            <a:ext cx="12192000" cy="2982959"/>
           </a:xfrm>
           <a:prstGeom prst="rect">
             <a:avLst/>
@@ -3305,116 +3291,76 @@
           <a:bodyPr wrap="square" rtlCol="0">
             <a:spAutoFit/>
           </a:bodyPr>
-          <a:lstStyle/>
-          <a:p>
-            <a:pPr algn="ctr"/>
-            <a:r>
-              <a:rPr lang="en-US" sz="3200" dirty="0">
+          <a:lstStyle>
+            <a:defPPr>
+              <a:defRPr lang="en-US"/>
+            </a:defPPr>
+            <a:lvl1pPr algn="ctr">
+              <a:defRPr sz="2800" spc="50">
                 <a:solidFill>
                   <a:schemeClr val="bg1"/>
                 </a:solidFill>
-              </a:rPr>
+                <a:latin typeface="Assistant" panose="00000500000000000000" pitchFamily="2" charset="-79"/>
+                <a:cs typeface="Assistant" panose="00000500000000000000" pitchFamily="2" charset="-79"/>
+              </a:defRPr>
+            </a:lvl1pPr>
+          </a:lstStyle>
+          <a:p>
+            <a:r>
+              <a:rPr lang="en-US" dirty="0"/>
               <a:t>I have seen Him in the watchfires of a hundred circling camps;</a:t>
             </a:r>
           </a:p>
           <a:p>
-            <a:pPr algn="ctr"/>
-            <a:r>
-              <a:rPr lang="en-US" sz="3200" dirty="0">
-                <a:solidFill>
-                  <a:schemeClr val="bg1"/>
-                </a:solidFill>
-              </a:rPr>
+            <a:r>
+              <a:rPr lang="en-US" dirty="0"/>
               <a:t>They have </a:t>
             </a:r>
             <a:r>
-              <a:rPr lang="en-US" sz="3200" dirty="0" err="1">
-                <a:solidFill>
-                  <a:schemeClr val="bg1"/>
-                </a:solidFill>
-              </a:rPr>
+              <a:rPr lang="en-US" dirty="0" err="1"/>
               <a:t>builded</a:t>
             </a:r>
             <a:r>
-              <a:rPr lang="en-US" sz="3200" dirty="0">
-                <a:solidFill>
-                  <a:schemeClr val="bg1"/>
-                </a:solidFill>
-              </a:rPr>
+              <a:rPr lang="en-US" dirty="0"/>
               <a:t> Him an altar in the evening dews and damps;</a:t>
             </a:r>
           </a:p>
           <a:p>
-            <a:pPr algn="ctr"/>
-            <a:r>
-              <a:rPr lang="en-US" sz="3200" dirty="0">
-                <a:solidFill>
-                  <a:schemeClr val="bg1"/>
-                </a:solidFill>
-              </a:rPr>
+            <a:r>
+              <a:rPr lang="en-US" dirty="0"/>
               <a:t>I can read His righteous sentence by the dim and flaring lamps,</a:t>
             </a:r>
           </a:p>
           <a:p>
-            <a:pPr algn="ctr"/>
-            <a:r>
-              <a:rPr lang="en-US" sz="3200" dirty="0">
-                <a:solidFill>
-                  <a:schemeClr val="bg1"/>
-                </a:solidFill>
-              </a:rPr>
+            <a:r>
+              <a:rPr lang="en-US" dirty="0"/>
               <a:t>His day is marching on!</a:t>
             </a:r>
           </a:p>
           <a:p>
-            <a:pPr algn="ctr"/>
-            <a:endParaRPr lang="en-US" sz="3200" dirty="0">
-              <a:solidFill>
-                <a:schemeClr val="bg1"/>
-              </a:solidFill>
-            </a:endParaRPr>
-          </a:p>
-          <a:p>
-            <a:pPr algn="ctr"/>
-            <a:r>
-              <a:rPr lang="en-US" sz="3200" dirty="0">
-                <a:solidFill>
-                  <a:schemeClr val="bg1"/>
-                </a:solidFill>
-              </a:rPr>
+            <a:endParaRPr lang="en-US" dirty="0"/>
+          </a:p>
+          <a:p>
+            <a:r>
+              <a:rPr lang="en-US" dirty="0"/>
               <a:t>Glory, glory, hallelujah!</a:t>
             </a:r>
           </a:p>
           <a:p>
-            <a:pPr algn="ctr"/>
-            <a:r>
-              <a:rPr lang="en-US" sz="3200" dirty="0">
-                <a:solidFill>
-                  <a:schemeClr val="bg1"/>
-                </a:solidFill>
-              </a:rPr>
+            <a:r>
+              <a:rPr lang="en-US" dirty="0"/>
               <a:t>Glory, glory, hallelujah!</a:t>
             </a:r>
           </a:p>
           <a:p>
-            <a:pPr algn="ctr"/>
-            <a:r>
-              <a:rPr lang="en-US" sz="3200" dirty="0">
-                <a:solidFill>
-                  <a:schemeClr val="bg1"/>
-                </a:solidFill>
-              </a:rPr>
+            <a:r>
+              <a:rPr lang="en-US" dirty="0"/>
               <a:t>Glory, glory, hallelujah!</a:t>
             </a:r>
           </a:p>
           <a:p>
-            <a:pPr algn="ctr"/>
-            <a:r>
-              <a:rPr lang="en-US" sz="3200" dirty="0">
-                <a:solidFill>
-                  <a:schemeClr val="bg1"/>
-                </a:solidFill>
-              </a:rPr>
+            <a:r>
+              <a:rPr lang="en-US" dirty="0"/>
               <a:t>His truth is marching on!</a:t>
             </a:r>
           </a:p>
@@ -3527,15 +3473,23 @@
           <a:bodyPr wrap="square" rtlCol="0" anchor="ctr">
             <a:spAutoFit/>
           </a:bodyPr>
-          <a:lstStyle/>
-          <a:p>
-            <a:pPr algn="ctr"/>
-            <a:r>
-              <a:rPr lang="en-US" sz="4800" dirty="0">
+          <a:lstStyle>
+            <a:defPPr>
+              <a:defRPr lang="en-US"/>
+            </a:defPPr>
+            <a:lvl1pPr algn="ctr">
+              <a:defRPr sz="3200" u="sng">
                 <a:solidFill>
                   <a:schemeClr val="bg1"/>
                 </a:solidFill>
-              </a:rPr>
+                <a:latin typeface="Assistant SemiBold" panose="00000700000000000000" pitchFamily="2" charset="-79"/>
+                <a:cs typeface="Assistant SemiBold" panose="00000700000000000000" pitchFamily="2" charset="-79"/>
+              </a:defRPr>
+            </a:lvl1pPr>
+          </a:lstStyle>
+          <a:p>
+            <a:r>
+              <a:rPr lang="en-US" dirty="0"/>
               <a:t>“Mine Eyes Have Seen the Glory”</a:t>
             </a:r>
           </a:p>
@@ -3549,8 +3503,8 @@
         </p:nvSpPr>
         <p:spPr>
           <a:xfrm>
-            <a:off x="0" y="398892"/>
-            <a:ext cx="12192000" cy="4524315"/>
+            <a:off x="0" y="892572"/>
+            <a:ext cx="12192000" cy="2982959"/>
           </a:xfrm>
           <a:prstGeom prst="rect">
             <a:avLst/>
@@ -3561,100 +3515,68 @@
           <a:bodyPr wrap="square" rtlCol="0">
             <a:spAutoFit/>
           </a:bodyPr>
-          <a:lstStyle/>
-          <a:p>
-            <a:pPr algn="ctr"/>
-            <a:r>
-              <a:rPr lang="en-US" sz="3200" dirty="0">
+          <a:lstStyle>
+            <a:defPPr>
+              <a:defRPr lang="en-US"/>
+            </a:defPPr>
+            <a:lvl1pPr algn="ctr">
+              <a:defRPr sz="2800" spc="50">
                 <a:solidFill>
                   <a:schemeClr val="bg1"/>
                 </a:solidFill>
-              </a:rPr>
+                <a:latin typeface="Assistant" panose="00000500000000000000" pitchFamily="2" charset="-79"/>
+                <a:cs typeface="Assistant" panose="00000500000000000000" pitchFamily="2" charset="-79"/>
+              </a:defRPr>
+            </a:lvl1pPr>
+          </a:lstStyle>
+          <a:p>
+            <a:r>
+              <a:rPr lang="en-US" dirty="0"/>
               <a:t>He has sounded forth the trumpet that shall never call retreat;</a:t>
             </a:r>
           </a:p>
           <a:p>
-            <a:pPr algn="ctr"/>
-            <a:r>
-              <a:rPr lang="en-US" sz="3200" dirty="0">
-                <a:solidFill>
-                  <a:schemeClr val="bg1"/>
-                </a:solidFill>
-              </a:rPr>
+            <a:r>
+              <a:rPr lang="en-US" dirty="0"/>
               <a:t>He is sifting out the hearts of men before His judgement seat;</a:t>
             </a:r>
           </a:p>
           <a:p>
-            <a:pPr algn="ctr"/>
-            <a:r>
-              <a:rPr lang="en-US" sz="3200" dirty="0">
-                <a:solidFill>
-                  <a:schemeClr val="bg1"/>
-                </a:solidFill>
-              </a:rPr>
+            <a:r>
+              <a:rPr lang="en-US" dirty="0"/>
               <a:t>O be swift, my soul, to answer Him– be jubilant, my feet!</a:t>
             </a:r>
           </a:p>
           <a:p>
-            <a:pPr algn="ctr"/>
-            <a:r>
-              <a:rPr lang="en-US" sz="3200" dirty="0">
-                <a:solidFill>
-                  <a:schemeClr val="bg1"/>
-                </a:solidFill>
-              </a:rPr>
+            <a:r>
+              <a:rPr lang="en-US" dirty="0"/>
               <a:t>Our God is marching on!</a:t>
             </a:r>
           </a:p>
           <a:p>
-            <a:pPr algn="ctr"/>
-            <a:endParaRPr lang="en-US" sz="3200" dirty="0">
-              <a:solidFill>
-                <a:schemeClr val="bg1"/>
-              </a:solidFill>
-            </a:endParaRPr>
-          </a:p>
-          <a:p>
-            <a:pPr algn="ctr"/>
-            <a:r>
-              <a:rPr lang="en-US" sz="3200" dirty="0">
-                <a:solidFill>
-                  <a:schemeClr val="bg1"/>
-                </a:solidFill>
-              </a:rPr>
+            <a:endParaRPr lang="en-US" dirty="0"/>
+          </a:p>
+          <a:p>
+            <a:r>
+              <a:rPr lang="en-US" dirty="0"/>
               <a:t>Glory, glory, hallelujah!</a:t>
             </a:r>
           </a:p>
           <a:p>
-            <a:pPr algn="ctr"/>
-            <a:r>
-              <a:rPr lang="en-US" sz="3200" dirty="0">
-                <a:solidFill>
-                  <a:schemeClr val="bg1"/>
-                </a:solidFill>
-              </a:rPr>
+            <a:r>
+              <a:rPr lang="en-US" dirty="0"/>
               <a:t>Glory, glory, hallelujah!</a:t>
             </a:r>
           </a:p>
           <a:p>
-            <a:pPr algn="ctr"/>
-            <a:r>
-              <a:rPr lang="en-US" sz="3200" dirty="0">
-                <a:solidFill>
-                  <a:schemeClr val="bg1"/>
-                </a:solidFill>
-              </a:rPr>
+            <a:r>
+              <a:rPr lang="en-US" dirty="0"/>
               <a:t>Glory, glory, hallelujah!</a:t>
             </a:r>
           </a:p>
           <a:p>
-            <a:pPr algn="ctr"/>
-            <a:r>
-              <a:rPr lang="en-US" sz="3200" dirty="0">
-                <a:solidFill>
-                  <a:schemeClr val="bg1"/>
-                </a:solidFill>
-              </a:rPr>
+            <a:r>
+              <a:rPr lang="en-US" dirty="0"/>
               <a:t>His truth is marching on!</a:t>
             </a:r>
           </a:p>
@@ -3767,15 +3689,23 @@
           <a:bodyPr wrap="square" rtlCol="0" anchor="ctr">
             <a:spAutoFit/>
           </a:bodyPr>
-          <a:lstStyle/>
-          <a:p>
-            <a:pPr algn="ctr"/>
-            <a:r>
-              <a:rPr lang="en-US" sz="4800" dirty="0">
+          <a:lstStyle>
+            <a:defPPr>
+              <a:defRPr lang="en-US"/>
+            </a:defPPr>
+            <a:lvl1pPr algn="ctr">
+              <a:defRPr sz="3200" u="sng">
                 <a:solidFill>
                   <a:schemeClr val="bg1"/>
                 </a:solidFill>
-              </a:rPr>
+                <a:latin typeface="Assistant SemiBold" panose="00000700000000000000" pitchFamily="2" charset="-79"/>
+                <a:cs typeface="Assistant SemiBold" panose="00000700000000000000" pitchFamily="2" charset="-79"/>
+              </a:defRPr>
+            </a:lvl1pPr>
+          </a:lstStyle>
+          <a:p>
+            <a:r>
+              <a:rPr lang="en-US" dirty="0"/>
               <a:t>“Mine Eyes Have Seen the Glory”</a:t>
             </a:r>
           </a:p>
@@ -3789,8 +3719,8 @@
         </p:nvSpPr>
         <p:spPr>
           <a:xfrm>
-            <a:off x="0" y="398892"/>
-            <a:ext cx="12192000" cy="4524315"/>
+            <a:off x="0" y="892572"/>
+            <a:ext cx="12192000" cy="2982959"/>
           </a:xfrm>
           <a:prstGeom prst="rect">
             <a:avLst/>
@@ -3801,100 +3731,68 @@
           <a:bodyPr wrap="square" rtlCol="0">
             <a:spAutoFit/>
           </a:bodyPr>
-          <a:lstStyle/>
-          <a:p>
-            <a:pPr algn="ctr"/>
-            <a:r>
-              <a:rPr lang="en-US" sz="3200" dirty="0">
+          <a:lstStyle>
+            <a:defPPr>
+              <a:defRPr lang="en-US"/>
+            </a:defPPr>
+            <a:lvl1pPr algn="ctr">
+              <a:defRPr sz="2800" spc="50">
                 <a:solidFill>
                   <a:schemeClr val="bg1"/>
                 </a:solidFill>
-              </a:rPr>
+                <a:latin typeface="Assistant" panose="00000500000000000000" pitchFamily="2" charset="-79"/>
+                <a:cs typeface="Assistant" panose="00000500000000000000" pitchFamily="2" charset="-79"/>
+              </a:defRPr>
+            </a:lvl1pPr>
+          </a:lstStyle>
+          <a:p>
+            <a:r>
+              <a:rPr lang="en-US" dirty="0"/>
               <a:t>In the beauty of the lilies, Christ was born across the sea,</a:t>
             </a:r>
           </a:p>
           <a:p>
-            <a:pPr algn="ctr"/>
-            <a:r>
-              <a:rPr lang="en-US" sz="3200" dirty="0">
-                <a:solidFill>
-                  <a:schemeClr val="bg1"/>
-                </a:solidFill>
-              </a:rPr>
+            <a:r>
+              <a:rPr lang="en-US" dirty="0"/>
               <a:t>With a glory of His bosom that transfigures you and me;</a:t>
             </a:r>
           </a:p>
           <a:p>
-            <a:pPr algn="ctr"/>
-            <a:r>
-              <a:rPr lang="en-US" sz="3200" dirty="0">
-                <a:solidFill>
-                  <a:schemeClr val="bg1"/>
-                </a:solidFill>
-              </a:rPr>
+            <a:r>
+              <a:rPr lang="en-US" dirty="0"/>
               <a:t>As He died to make men holy, let us die to make men free,</a:t>
             </a:r>
           </a:p>
           <a:p>
-            <a:pPr algn="ctr"/>
-            <a:r>
-              <a:rPr lang="en-US" sz="3200" dirty="0">
-                <a:solidFill>
-                  <a:schemeClr val="bg1"/>
-                </a:solidFill>
-              </a:rPr>
+            <a:r>
+              <a:rPr lang="en-US" dirty="0"/>
               <a:t>While God is marching on!</a:t>
             </a:r>
           </a:p>
           <a:p>
-            <a:pPr algn="ctr"/>
-            <a:endParaRPr lang="en-US" sz="3200" dirty="0">
-              <a:solidFill>
-                <a:schemeClr val="bg1"/>
-              </a:solidFill>
-            </a:endParaRPr>
-          </a:p>
-          <a:p>
-            <a:pPr algn="ctr"/>
-            <a:r>
-              <a:rPr lang="en-US" sz="3200" dirty="0">
-                <a:solidFill>
-                  <a:schemeClr val="bg1"/>
-                </a:solidFill>
-              </a:rPr>
+            <a:endParaRPr lang="en-US" dirty="0"/>
+          </a:p>
+          <a:p>
+            <a:r>
+              <a:rPr lang="en-US" dirty="0"/>
               <a:t>Glory, glory, hallelujah!</a:t>
             </a:r>
           </a:p>
           <a:p>
-            <a:pPr algn="ctr"/>
-            <a:r>
-              <a:rPr lang="en-US" sz="3200" dirty="0">
-                <a:solidFill>
-                  <a:schemeClr val="bg1"/>
-                </a:solidFill>
-              </a:rPr>
+            <a:r>
+              <a:rPr lang="en-US" dirty="0"/>
               <a:t>Glory, glory, hallelujah!</a:t>
             </a:r>
           </a:p>
           <a:p>
-            <a:pPr algn="ctr"/>
-            <a:r>
-              <a:rPr lang="en-US" sz="3200" dirty="0">
-                <a:solidFill>
-                  <a:schemeClr val="bg1"/>
-                </a:solidFill>
-              </a:rPr>
+            <a:r>
+              <a:rPr lang="en-US" dirty="0"/>
               <a:t>Glory, glory, hallelujah!</a:t>
             </a:r>
           </a:p>
           <a:p>
-            <a:pPr algn="ctr"/>
-            <a:r>
-              <a:rPr lang="en-US" sz="3200" dirty="0">
-                <a:solidFill>
-                  <a:schemeClr val="bg1"/>
-                </a:solidFill>
-              </a:rPr>
+            <a:r>
+              <a:rPr lang="en-US" dirty="0"/>
               <a:t>His truth is marching on!</a:t>
             </a:r>
           </a:p>
